--- a/docs/diagrams/SearchCommandSequenceDiagram.pptx
+++ b/docs/diagrams/SearchCommandSequenceDiagram.pptx
@@ -212,7 +212,7 @@
           <a:p>
             <a:fld id="{F5CC4B3F-88C1-4FFA-B1B6-F41C21DC6924}" type="datetimeFigureOut">
               <a:rPr lang="en-US" smtClean="0"/>
-              <a:t>10/18/17</a:t>
+              <a:t>11/13/17</a:t>
             </a:fld>
             <a:endParaRPr lang="en-US"/>
           </a:p>
@@ -658,7 +658,7 @@
           <a:p>
             <a:fld id="{78C97017-6FC3-485B-9764-EAC9E56C1D49}" type="datetimeFigureOut">
               <a:rPr lang="en-US" smtClean="0"/>
-              <a:t>10/18/17</a:t>
+              <a:t>11/13/17</a:t>
             </a:fld>
             <a:endParaRPr lang="en-US"/>
           </a:p>
@@ -826,7 +826,7 @@
           <a:p>
             <a:fld id="{78C97017-6FC3-485B-9764-EAC9E56C1D49}" type="datetimeFigureOut">
               <a:rPr lang="en-US" smtClean="0"/>
-              <a:t>10/18/17</a:t>
+              <a:t>11/13/17</a:t>
             </a:fld>
             <a:endParaRPr lang="en-US"/>
           </a:p>
@@ -1004,7 +1004,7 @@
           <a:p>
             <a:fld id="{78C97017-6FC3-485B-9764-EAC9E56C1D49}" type="datetimeFigureOut">
               <a:rPr lang="en-US" smtClean="0"/>
-              <a:t>10/18/17</a:t>
+              <a:t>11/13/17</a:t>
             </a:fld>
             <a:endParaRPr lang="en-US"/>
           </a:p>
@@ -1172,7 +1172,7 @@
           <a:p>
             <a:fld id="{78C97017-6FC3-485B-9764-EAC9E56C1D49}" type="datetimeFigureOut">
               <a:rPr lang="en-US" smtClean="0"/>
-              <a:t>10/18/17</a:t>
+              <a:t>11/13/17</a:t>
             </a:fld>
             <a:endParaRPr lang="en-US"/>
           </a:p>
@@ -1417,7 +1417,7 @@
           <a:p>
             <a:fld id="{78C97017-6FC3-485B-9764-EAC9E56C1D49}" type="datetimeFigureOut">
               <a:rPr lang="en-US" smtClean="0"/>
-              <a:t>10/18/17</a:t>
+              <a:t>11/13/17</a:t>
             </a:fld>
             <a:endParaRPr lang="en-US"/>
           </a:p>
@@ -1702,7 +1702,7 @@
           <a:p>
             <a:fld id="{78C97017-6FC3-485B-9764-EAC9E56C1D49}" type="datetimeFigureOut">
               <a:rPr lang="en-US" smtClean="0"/>
-              <a:t>10/18/17</a:t>
+              <a:t>11/13/17</a:t>
             </a:fld>
             <a:endParaRPr lang="en-US"/>
           </a:p>
@@ -2121,7 +2121,7 @@
           <a:p>
             <a:fld id="{78C97017-6FC3-485B-9764-EAC9E56C1D49}" type="datetimeFigureOut">
               <a:rPr lang="en-US" smtClean="0"/>
-              <a:t>10/18/17</a:t>
+              <a:t>11/13/17</a:t>
             </a:fld>
             <a:endParaRPr lang="en-US"/>
           </a:p>
@@ -2238,7 +2238,7 @@
           <a:p>
             <a:fld id="{78C97017-6FC3-485B-9764-EAC9E56C1D49}" type="datetimeFigureOut">
               <a:rPr lang="en-US" smtClean="0"/>
-              <a:t>10/18/17</a:t>
+              <a:t>11/13/17</a:t>
             </a:fld>
             <a:endParaRPr lang="en-US"/>
           </a:p>
@@ -2333,7 +2333,7 @@
           <a:p>
             <a:fld id="{78C97017-6FC3-485B-9764-EAC9E56C1D49}" type="datetimeFigureOut">
               <a:rPr lang="en-US" smtClean="0"/>
-              <a:t>10/18/17</a:t>
+              <a:t>11/13/17</a:t>
             </a:fld>
             <a:endParaRPr lang="en-US"/>
           </a:p>
@@ -2608,7 +2608,7 @@
           <a:p>
             <a:fld id="{78C97017-6FC3-485B-9764-EAC9E56C1D49}" type="datetimeFigureOut">
               <a:rPr lang="en-US" smtClean="0"/>
-              <a:t>10/18/17</a:t>
+              <a:t>11/13/17</a:t>
             </a:fld>
             <a:endParaRPr lang="en-US"/>
           </a:p>
@@ -2860,7 +2860,7 @@
           <a:p>
             <a:fld id="{78C97017-6FC3-485B-9764-EAC9E56C1D49}" type="datetimeFigureOut">
               <a:rPr lang="en-US" smtClean="0"/>
-              <a:t>10/18/17</a:t>
+              <a:t>11/13/17</a:t>
             </a:fld>
             <a:endParaRPr lang="en-US"/>
           </a:p>
@@ -3071,7 +3071,7 @@
           <a:p>
             <a:fld id="{78C97017-6FC3-485B-9764-EAC9E56C1D49}" type="datetimeFigureOut">
               <a:rPr lang="en-US" smtClean="0"/>
-              <a:t>10/18/17</a:t>
+              <a:t>11/13/17</a:t>
             </a:fld>
             <a:endParaRPr lang="en-US"/>
           </a:p>
@@ -3666,8 +3666,8 @@
         </p:nvSpPr>
         <p:spPr>
           <a:xfrm>
-            <a:off x="2743200" y="2179309"/>
-            <a:ext cx="1219200" cy="467684"/>
+            <a:off x="2743200" y="2187827"/>
+            <a:ext cx="1196994" cy="459166"/>
           </a:xfrm>
           <a:prstGeom prst="rect">
             <a:avLst/>
@@ -3860,7 +3860,7 @@
           <a:p>
             <a:pPr algn="ctr"/>
             <a:r>
-              <a:rPr lang="en-US" sz="1600" dirty="0" err="1" smtClean="0">
+              <a:rPr lang="en-US" sz="1400" dirty="0" err="1" smtClean="0">
                 <a:solidFill>
                   <a:schemeClr val="bg1"/>
                 </a:solidFill>
@@ -3868,7 +3868,7 @@
               <a:t>s:Search</a:t>
             </a:r>
             <a:r>
-              <a:rPr lang="en-US" sz="1600" dirty="0">
+              <a:rPr lang="en-US" sz="1400" dirty="0">
                 <a:solidFill>
                   <a:schemeClr val="bg1"/>
                 </a:solidFill>
@@ -3876,21 +3876,21 @@
               <a:t/>
             </a:r>
             <a:br>
-              <a:rPr lang="en-US" sz="1600" dirty="0">
+              <a:rPr lang="en-US" sz="1400" dirty="0">
                 <a:solidFill>
                   <a:schemeClr val="bg1"/>
                 </a:solidFill>
               </a:rPr>
             </a:br>
             <a:r>
-              <a:rPr lang="en-US" sz="1600" dirty="0">
+              <a:rPr lang="en-US" sz="1400" dirty="0">
                 <a:solidFill>
                   <a:schemeClr val="bg1"/>
                 </a:solidFill>
               </a:rPr>
               <a:t>Command</a:t>
             </a:r>
-            <a:endParaRPr lang="en-SG" sz="1600" dirty="0">
+            <a:endParaRPr lang="en-SG" sz="1400" dirty="0">
               <a:solidFill>
                 <a:schemeClr val="bg1"/>
               </a:solidFill>
@@ -4064,7 +4064,7 @@
         </p:nvSpPr>
         <p:spPr>
           <a:xfrm>
-            <a:off x="0" y="2743200"/>
+            <a:off x="-24056" y="3066248"/>
             <a:ext cx="1424846" cy="369332"/>
           </a:xfrm>
           <a:prstGeom prst="rect">
@@ -4787,7 +4787,7 @@
         </p:nvSpPr>
         <p:spPr>
           <a:xfrm>
-            <a:off x="1743446" y="2905547"/>
+            <a:off x="1573597" y="3156215"/>
             <a:ext cx="1424846" cy="369332"/>
           </a:xfrm>
           <a:prstGeom prst="rect">
@@ -4818,11 +4818,7 @@
             </a:r>
             <a:r>
               <a:rPr lang="en-US" sz="1200" dirty="0" smtClean="0"/>
-              <a:t>(“</a:t>
-            </a:r>
-            <a:r>
-              <a:rPr lang="en-US" sz="1200" dirty="0" smtClean="0"/>
-              <a:t>search @</a:t>
+              <a:t>(“search @</a:t>
             </a:r>
             <a:r>
               <a:rPr lang="en-US" sz="1200" dirty="0" err="1" smtClean="0"/>
@@ -5152,7 +5148,7 @@
           <a:p>
             <a:pPr algn="ctr"/>
             <a:r>
-              <a:rPr lang="en-US" sz="1600" dirty="0" smtClean="0">
+              <a:rPr lang="en-US" sz="1400" dirty="0" smtClean="0">
                 <a:solidFill>
                   <a:schemeClr val="bg1"/>
                 </a:solidFill>
@@ -5160,14 +5156,14 @@
               <a:t>:</a:t>
             </a:r>
             <a:r>
-              <a:rPr lang="en-US" sz="1600" dirty="0" err="1" smtClean="0">
+              <a:rPr lang="en-US" sz="1400" dirty="0" err="1" smtClean="0">
                 <a:solidFill>
                   <a:schemeClr val="bg1"/>
                 </a:solidFill>
               </a:rPr>
               <a:t>SearchCommand</a:t>
             </a:r>
-            <a:endParaRPr lang="en-US" sz="1600" dirty="0">
+            <a:endParaRPr lang="en-US" sz="1400" dirty="0">
               <a:solidFill>
                 <a:schemeClr val="bg1"/>
               </a:solidFill>
@@ -5176,14 +5172,14 @@
           <a:p>
             <a:pPr algn="ctr"/>
             <a:r>
-              <a:rPr lang="en-US" sz="1600" dirty="0">
+              <a:rPr lang="en-US" sz="1400" dirty="0">
                 <a:solidFill>
                   <a:schemeClr val="bg1"/>
                 </a:solidFill>
               </a:rPr>
               <a:t>Parser</a:t>
             </a:r>
-            <a:endParaRPr lang="en-SG" sz="1600" dirty="0">
+            <a:endParaRPr lang="en-SG" sz="1400" dirty="0">
               <a:solidFill>
                 <a:schemeClr val="bg1"/>
               </a:solidFill>
@@ -5539,263 +5535,14 @@
       </p:sp>
       <p:sp>
         <p:nvSpPr>
-          <p:cNvPr id="47" name="Rectangle 62"/>
-          <p:cNvSpPr/>
-          <p:nvPr/>
-        </p:nvSpPr>
-        <p:spPr>
-          <a:xfrm>
-            <a:off x="5254179" y="1770022"/>
-            <a:ext cx="1272951" cy="986284"/>
-          </a:xfrm>
-          <a:prstGeom prst="rect">
-            <a:avLst/>
-          </a:prstGeom>
-          <a:solidFill>
-            <a:schemeClr val="accent4">
-              <a:lumMod val="60000"/>
-              <a:lumOff val="40000"/>
-            </a:schemeClr>
-          </a:solidFill>
-          <a:ln w="19050">
-            <a:solidFill>
-              <a:schemeClr val="accent4">
-                <a:lumMod val="60000"/>
-                <a:lumOff val="40000"/>
-              </a:schemeClr>
-            </a:solidFill>
-          </a:ln>
-          <a:effectLst/>
-        </p:spPr>
-        <p:style>
-          <a:lnRef idx="1">
-            <a:schemeClr val="accent2"/>
-          </a:lnRef>
-          <a:fillRef idx="2">
-            <a:schemeClr val="accent2"/>
-          </a:fillRef>
-          <a:effectRef idx="1">
-            <a:schemeClr val="accent2"/>
-          </a:effectRef>
-          <a:fontRef idx="minor">
-            <a:schemeClr val="dk1"/>
-          </a:fontRef>
-        </p:style>
-        <p:txBody>
-          <a:bodyPr rtlCol="0" anchor="ctr"/>
-          <a:lstStyle/>
-          <a:p>
-            <a:pPr algn="ctr"/>
-            <a:r>
-              <a:rPr lang="en-US" sz="1600">
-                <a:solidFill>
-                  <a:schemeClr val="bg1"/>
-                </a:solidFill>
-              </a:rPr>
-              <a:t>d</a:t>
-            </a:r>
-            <a:r>
-              <a:rPr lang="en-US" sz="1600" smtClean="0">
-                <a:solidFill>
-                  <a:schemeClr val="bg1"/>
-                </a:solidFill>
-              </a:rPr>
-              <a:t>:DetailsContainKeyphrasePredicate</a:t>
-            </a:r>
-            <a:endParaRPr lang="en-SG" sz="1600" dirty="0">
-              <a:solidFill>
-                <a:schemeClr val="bg1"/>
-              </a:solidFill>
-            </a:endParaRPr>
-          </a:p>
-        </p:txBody>
-      </p:sp>
-      <p:cxnSp>
-        <p:nvCxnSpPr>
-          <p:cNvPr id="48" name="Straight Connector 47"/>
-          <p:cNvCxnSpPr/>
-          <p:nvPr/>
-        </p:nvCxnSpPr>
-        <p:spPr>
-          <a:xfrm>
-            <a:off x="5865672" y="2701277"/>
-            <a:ext cx="8554" cy="1106429"/>
-          </a:xfrm>
-          <a:prstGeom prst="line">
-            <a:avLst/>
-          </a:prstGeom>
-          <a:ln w="19050">
-            <a:solidFill>
-              <a:schemeClr val="accent4">
-                <a:lumMod val="60000"/>
-                <a:lumOff val="40000"/>
-              </a:schemeClr>
-            </a:solidFill>
-            <a:prstDash val="sysDash"/>
-          </a:ln>
-          <a:effectLst/>
-        </p:spPr>
-        <p:style>
-          <a:lnRef idx="1">
-            <a:schemeClr val="accent1"/>
-          </a:lnRef>
-          <a:fillRef idx="2">
-            <a:schemeClr val="accent1"/>
-          </a:fillRef>
-          <a:effectRef idx="1">
-            <a:schemeClr val="accent1"/>
-          </a:effectRef>
-          <a:fontRef idx="minor">
-            <a:schemeClr val="dk1"/>
-          </a:fontRef>
-        </p:style>
-      </p:cxnSp>
-      <p:sp>
-        <p:nvSpPr>
-          <p:cNvPr id="53" name="Rectangle 52"/>
-          <p:cNvSpPr/>
-          <p:nvPr/>
-        </p:nvSpPr>
-        <p:spPr>
-          <a:xfrm>
-            <a:off x="5794230" y="3816295"/>
-            <a:ext cx="119504" cy="171377"/>
-          </a:xfrm>
-          <a:prstGeom prst="rect">
-            <a:avLst/>
-          </a:prstGeom>
-          <a:solidFill>
-            <a:schemeClr val="accent4">
-              <a:lumMod val="60000"/>
-              <a:lumOff val="40000"/>
-            </a:schemeClr>
-          </a:solidFill>
-          <a:ln>
-            <a:solidFill>
-              <a:schemeClr val="accent4">
-                <a:lumMod val="60000"/>
-                <a:lumOff val="40000"/>
-              </a:schemeClr>
-            </a:solidFill>
-          </a:ln>
-          <a:effectLst/>
-        </p:spPr>
-        <p:style>
-          <a:lnRef idx="1">
-            <a:schemeClr val="accent3"/>
-          </a:lnRef>
-          <a:fillRef idx="2">
-            <a:schemeClr val="accent3"/>
-          </a:fillRef>
-          <a:effectRef idx="1">
-            <a:schemeClr val="accent3"/>
-          </a:effectRef>
-          <a:fontRef idx="minor">
-            <a:schemeClr val="dk1"/>
-          </a:fontRef>
-        </p:style>
-        <p:txBody>
-          <a:bodyPr rtlCol="0" anchor="ctr"/>
-          <a:lstStyle/>
-          <a:p>
-            <a:pPr algn="ctr"/>
-            <a:endParaRPr lang="en-SG" sz="1400">
-              <a:solidFill>
-                <a:schemeClr val="dk1"/>
-              </a:solidFill>
-            </a:endParaRPr>
-          </a:p>
-        </p:txBody>
-      </p:sp>
-      <p:cxnSp>
-        <p:nvCxnSpPr>
-          <p:cNvPr id="54" name="Straight Arrow Connector 53"/>
-          <p:cNvCxnSpPr/>
-          <p:nvPr/>
-        </p:nvCxnSpPr>
-        <p:spPr>
-          <a:xfrm>
-            <a:off x="5292069" y="3842011"/>
-            <a:ext cx="499131" cy="0"/>
-          </a:xfrm>
-          <a:prstGeom prst="straightConnector1">
-            <a:avLst/>
-          </a:prstGeom>
-          <a:ln w="19050">
-            <a:solidFill>
-              <a:srgbClr val="0070C0"/>
-            </a:solidFill>
-            <a:tailEnd type="arrow"/>
-          </a:ln>
-        </p:spPr>
-        <p:style>
-          <a:lnRef idx="1">
-            <a:schemeClr val="accent1"/>
-          </a:lnRef>
-          <a:fillRef idx="0">
-            <a:schemeClr val="accent1"/>
-          </a:fillRef>
-          <a:effectRef idx="0">
-            <a:schemeClr val="accent1"/>
-          </a:effectRef>
-          <a:fontRef idx="minor">
-            <a:schemeClr val="tx1"/>
-          </a:fontRef>
-        </p:style>
-      </p:cxnSp>
-      <p:cxnSp>
-        <p:nvCxnSpPr>
-          <p:cNvPr id="55" name="Straight Arrow Connector 54"/>
-          <p:cNvCxnSpPr>
-            <a:endCxn id="53" idx="2"/>
-          </p:cNvCxnSpPr>
-          <p:nvPr/>
-        </p:nvCxnSpPr>
-        <p:spPr>
-          <a:xfrm>
-            <a:off x="5265790" y="3987291"/>
-            <a:ext cx="588192" cy="381"/>
-          </a:xfrm>
-          <a:prstGeom prst="straightConnector1">
-            <a:avLst/>
-          </a:prstGeom>
-          <a:ln w="19050">
-            <a:solidFill>
-              <a:schemeClr val="accent4">
-                <a:lumMod val="60000"/>
-                <a:lumOff val="40000"/>
-              </a:schemeClr>
-            </a:solidFill>
-            <a:prstDash val="sysDash"/>
-            <a:headEnd type="arrow" w="med" len="med"/>
-            <a:tailEnd type="none" w="med" len="med"/>
-          </a:ln>
-        </p:spPr>
-        <p:style>
-          <a:lnRef idx="1">
-            <a:schemeClr val="accent1"/>
-          </a:lnRef>
-          <a:fillRef idx="0">
-            <a:schemeClr val="accent1"/>
-          </a:fillRef>
-          <a:effectRef idx="0">
-            <a:schemeClr val="accent1"/>
-          </a:effectRef>
-          <a:fontRef idx="minor">
-            <a:schemeClr val="tx1"/>
-          </a:fontRef>
-        </p:style>
-      </p:cxnSp>
-      <p:sp>
-        <p:nvSpPr>
           <p:cNvPr id="63" name="TextBox 62"/>
           <p:cNvSpPr txBox="1"/>
           <p:nvPr/>
         </p:nvSpPr>
         <p:spPr>
           <a:xfrm>
-            <a:off x="5050439" y="4078754"/>
-            <a:ext cx="3814999" cy="138499"/>
+            <a:off x="5297785" y="3559268"/>
+            <a:ext cx="3462459" cy="307777"/>
           </a:xfrm>
           <a:prstGeom prst="rect">
             <a:avLst/>
@@ -5819,23 +5566,59 @@
             </a:lvl1pPr>
           </a:lstStyle>
           <a:p>
-            <a:r>
-              <a:rPr lang="en-US" sz="900" dirty="0" err="1" smtClean="0"/>
+            <a:pPr algn="l"/>
+            <a:r>
+              <a:rPr lang="en-US" sz="1000" dirty="0" err="1" smtClean="0">
+                <a:solidFill>
+                  <a:schemeClr val="tx1"/>
+                </a:solidFill>
+              </a:rPr>
               <a:t>SearchCommand</a:t>
             </a:r>
             <a:r>
-              <a:rPr lang="en-US" sz="900" dirty="0" smtClean="0"/>
-              <a:t>(new DetailsContainKeyphrasePredicate(”@</a:t>
-            </a:r>
-            <a:r>
-              <a:rPr lang="en-US" sz="900" dirty="0" err="1" smtClean="0"/>
+              <a:rPr lang="en-US" sz="1000" dirty="0" smtClean="0">
+                <a:solidFill>
+                  <a:schemeClr val="tx1"/>
+                </a:solidFill>
+              </a:rPr>
+              <a:t>(</a:t>
+            </a:r>
+            <a:br>
+              <a:rPr lang="en-US" sz="1000" dirty="0" smtClean="0">
+                <a:solidFill>
+                  <a:schemeClr val="tx1"/>
+                </a:solidFill>
+              </a:rPr>
+            </a:br>
+            <a:r>
+              <a:rPr lang="en-US" sz="1000" dirty="0" smtClean="0">
+                <a:solidFill>
+                  <a:schemeClr val="tx1"/>
+                </a:solidFill>
+              </a:rPr>
+              <a:t>new DetailsContainKeyphrasePredicate(”@</a:t>
+            </a:r>
+            <a:r>
+              <a:rPr lang="en-US" sz="1000" dirty="0" err="1" smtClean="0">
+                <a:solidFill>
+                  <a:schemeClr val="tx1"/>
+                </a:solidFill>
+              </a:rPr>
               <a:t>example.com</a:t>
             </a:r>
             <a:r>
-              <a:rPr lang="en-US" sz="900" dirty="0" smtClean="0"/>
+              <a:rPr lang="en-US" sz="1000" dirty="0" smtClean="0">
+                <a:solidFill>
+                  <a:schemeClr val="tx1"/>
+                </a:solidFill>
+              </a:rPr>
               <a:t>”)</a:t>
             </a:r>
-            <a:endParaRPr lang="en-US" sz="900" dirty="0"/>
+            <a:endParaRPr lang="en-US" sz="1000" dirty="0">
+              <a:solidFill>
+                <a:schemeClr val="tx1"/>
+              </a:solidFill>
+            </a:endParaRPr>
           </a:p>
         </p:txBody>
       </p:sp>
